--- a/Day 1/slide/log4j.pptx
+++ b/Day 1/slide/log4j.pptx
@@ -11837,7 +11837,7 @@
               <a:rPr lang="it" altLang="it-IT" dirty="0">
                 <a:cs typeface="Times New Roman" panose="02020603050405020304" pitchFamily="18" charset="0"/>
               </a:rPr>
-              <a:t>Log4j afferma di essere veloce e flessibile: prima la velocità, poi la flessibilità</a:t>
+              <a:t>Log4j afferma di essere veloce e flessibile</a:t>
             </a:r>
           </a:p>
           <a:p>
@@ -15686,12 +15686,12 @@
               <a:buChar char="•"/>
             </a:pPr>
             <a:r>
-              <a:rPr lang="it" altLang="it-IT" sz="2800">
+              <a:rPr lang="it" altLang="it-IT" sz="2800" dirty="0">
                 <a:cs typeface="Times New Roman" panose="02020603050405020304" pitchFamily="18" charset="0"/>
               </a:rPr>
-              <a:t>Nel 1996, il SEMPRE progetto ha sviluppato un'API di tracciamento</a:t>
-            </a:r>
-            <a:endParaRPr lang="en-US" altLang="it-IT" sz="2800"/>
+              <a:t>Nel 1996, il progetto ha sviluppato un'API di tracciamento</a:t>
+            </a:r>
+            <a:endParaRPr lang="en-US" altLang="it-IT" sz="2800" dirty="0"/>
           </a:p>
           <a:p>
             <a:pPr eaLnBrk="1" hangingPunct="1">
@@ -15700,18 +15700,18 @@
               <a:buChar char="•"/>
             </a:pPr>
             <a:r>
-              <a:rPr lang="it" altLang="it-IT" sz="2800"/>
+              <a:rPr lang="it" altLang="it-IT" sz="2800" dirty="0"/>
               <a:t>Successivamente modificato da IBM presso il laboratorio di ricerca di Zurigo ( </a:t>
             </a:r>
             <a:r>
-              <a:rPr lang="it" altLang="it-IT" sz="2400" b="1">
+              <a:rPr lang="it" altLang="it-IT" sz="2400" b="1" dirty="0">
                 <a:latin typeface="Courier New" panose="02070309020205020404" pitchFamily="49" charset="0"/>
                 <a:hlinkClick r:id="rId3"/>
               </a:rPr>
               <a:t>www.zurich.ibm.com </a:t>
             </a:r>
             <a:r>
-              <a:rPr lang="it" altLang="it-IT" sz="2800"/>
+              <a:rPr lang="it" altLang="it-IT" sz="2800" dirty="0"/>
               <a:t>)</a:t>
             </a:r>
           </a:p>
@@ -15722,18 +15722,18 @@
               <a:buChar char="•"/>
             </a:pPr>
             <a:r>
-              <a:rPr lang="it" altLang="it-IT" sz="2800"/>
+              <a:rPr lang="it" altLang="it-IT" sz="2800" dirty="0"/>
               <a:t>Attualmente gestito da Source Forge ( </a:t>
             </a:r>
             <a:r>
-              <a:rPr lang="it" altLang="it-IT" sz="2400" b="1">
+              <a:rPr lang="it" altLang="it-IT" sz="2400" b="1" dirty="0">
                 <a:latin typeface="Courier New" panose="02070309020205020404" pitchFamily="49" charset="0"/>
                 <a:hlinkClick r:id="rId4"/>
               </a:rPr>
               <a:t>www.sourceforge.net </a:t>
             </a:r>
             <a:r>
-              <a:rPr lang="it" altLang="it-IT" sz="2800"/>
+              <a:rPr lang="it" altLang="it-IT" sz="2800" dirty="0"/>
               <a:t>).</a:t>
             </a:r>
           </a:p>
@@ -15744,7 +15744,7 @@
               <a:buChar char="•"/>
             </a:pPr>
             <a:r>
-              <a:rPr lang="it" altLang="it-IT" sz="2800"/>
+              <a:rPr lang="it" altLang="it-IT" sz="2800" dirty="0"/>
               <a:t>Fonte aperta</a:t>
             </a:r>
           </a:p>
@@ -15755,18 +15755,18 @@
               <a:buChar char="•"/>
             </a:pPr>
             <a:r>
-              <a:rPr lang="it" altLang="it-IT" sz="2800"/>
+              <a:rPr lang="it" altLang="it-IT" sz="2800" dirty="0"/>
               <a:t>Home del progetto, download e documentazione: </a:t>
             </a:r>
             <a:r>
-              <a:rPr lang="it" altLang="it-IT" sz="2200" b="1">
+              <a:rPr lang="it" altLang="it-IT" sz="2200" b="1" dirty="0">
                 <a:latin typeface="Courier New" panose="02070309020205020404" pitchFamily="49" charset="0"/>
                 <a:hlinkClick r:id="rId5"/>
               </a:rPr>
               <a:t>http://jakarta.apache.org/log4j/index.html</a:t>
             </a:r>
             <a:r>
-              <a:rPr lang="it" altLang="it-IT" sz="2200"/>
+              <a:rPr lang="it" altLang="it-IT" sz="2200" dirty="0"/>
               <a:t> </a:t>
             </a:r>
           </a:p>
